--- a/reportgen[无python经验的下载]/template.pptx
+++ b/reportgen[无python经验的下载]/template.pptx
@@ -2,12 +2,8 @@
 <file path=ppt/presentation.xml><?xml version="1.0" encoding="utf-8"?>
 <p:presentation xmlns:a="http://schemas.openxmlformats.org/drawingml/2006/main" xmlns:r="http://schemas.openxmlformats.org/officeDocument/2006/relationships" xmlns:p="http://schemas.openxmlformats.org/presentationml/2006/main" saveSubsetFonts="1">
   <p:sldMasterIdLst>
-    <p:sldMasterId id="2147483660" r:id="rId1"/>
-    <p:sldMasterId id="2147483648" r:id="rId2"/>
+    <p:sldMasterId id="2147483648" r:id="rId1"/>
   </p:sldMasterIdLst>
-  <p:sldIdLst>
-    <p:sldId id="256" r:id="rId3"/>
-  </p:sldIdLst>
   <p:sldSz cx="9144000" cy="5143500" type="screen16x9"/>
   <p:notesSz cx="6858000" cy="9144000"/>
   <p:defaultTextStyle>
@@ -114,6 +110,87 @@
 </file>
 
 <file path=ppt/slideLayouts/slideLayout1.xml><?xml version="1.0" encoding="utf-8"?>
+<p:sldLayout xmlns:a="http://schemas.openxmlformats.org/drawingml/2006/main" xmlns:r="http://schemas.openxmlformats.org/officeDocument/2006/relationships" xmlns:p="http://schemas.openxmlformats.org/presentationml/2006/main" type="titleOnly" preserve="1">
+  <p:cSld name="仅标题">
+    <p:spTree>
+      <p:nvGrpSpPr>
+        <p:cNvPr id="1" name=""/>
+        <p:cNvGrpSpPr/>
+        <p:nvPr/>
+      </p:nvGrpSpPr>
+      <p:grpSpPr>
+        <a:xfrm>
+          <a:off x="0" y="0"/>
+          <a:ext cx="0" cy="0"/>
+          <a:chOff x="0" y="0"/>
+          <a:chExt cx="0" cy="0"/>
+        </a:xfrm>
+      </p:grpSpPr>
+      <p:sp>
+        <p:nvSpPr>
+          <p:cNvPr id="2" name="标题 1"/>
+          <p:cNvSpPr>
+            <a:spLocks noGrp="1"/>
+          </p:cNvSpPr>
+          <p:nvPr>
+            <p:ph type="title"/>
+          </p:nvPr>
+        </p:nvSpPr>
+        <p:spPr>
+          <a:xfrm>
+            <a:off x="139285" y="95274"/>
+            <a:ext cx="7886700" cy="458990"/>
+          </a:xfrm>
+        </p:spPr>
+        <p:txBody>
+          <a:bodyPr/>
+          <a:lstStyle/>
+          <a:p>
+            <a:r>
+              <a:rPr lang="zh-CN" altLang="en-US" smtClean="0"/>
+              <a:t>单击此处编辑母版标题样式</a:t>
+            </a:r>
+            <a:endParaRPr lang="zh-CN" altLang="en-US"/>
+          </a:p>
+        </p:txBody>
+      </p:sp>
+      <p:sp>
+        <p:nvSpPr>
+          <p:cNvPr id="5" name="灯片编号占位符 4"/>
+          <p:cNvSpPr>
+            <a:spLocks noGrp="1"/>
+          </p:cNvSpPr>
+          <p:nvPr>
+            <p:ph type="sldNum" sz="quarter" idx="12"/>
+          </p:nvPr>
+        </p:nvSpPr>
+        <p:spPr/>
+        <p:txBody>
+          <a:bodyPr/>
+          <a:lstStyle/>
+          <a:p>
+            <a:fld id="{C04F3881-6847-476C-BFEB-A5D2FA80E139}" type="slidenum">
+              <a:rPr lang="zh-CN" altLang="en-US" smtClean="0"/>
+              <a:t>‹#›</a:t>
+            </a:fld>
+            <a:endParaRPr lang="zh-CN" altLang="en-US"/>
+          </a:p>
+        </p:txBody>
+      </p:sp>
+    </p:spTree>
+    <p:extLst>
+      <p:ext uri="{BB962C8B-B14F-4D97-AF65-F5344CB8AC3E}">
+        <p14:creationId xmlns:p14="http://schemas.microsoft.com/office/powerpoint/2010/main" val="3183418499"/>
+      </p:ext>
+    </p:extLst>
+  </p:cSld>
+  <p:clrMapOvr>
+    <a:masterClrMapping/>
+  </p:clrMapOvr>
+</p:sldLayout>
+</file>
+
+<file path=ppt/slideLayouts/slideLayout2.xml><?xml version="1.0" encoding="utf-8"?>
 <p:sldLayout xmlns:a="http://schemas.openxmlformats.org/drawingml/2006/main" xmlns:r="http://schemas.openxmlformats.org/officeDocument/2006/relationships" xmlns:p="http://schemas.openxmlformats.org/presentationml/2006/main" type="title" preserve="1">
   <p:cSld name="标题幻灯片">
     <p:spTree>
@@ -142,28 +219,23 @@
         </p:nvSpPr>
         <p:spPr>
           <a:xfrm>
-            <a:off x="1143000" y="1153297"/>
-            <a:ext cx="6858000" cy="828386"/>
+            <a:off x="1143000" y="841772"/>
+            <a:ext cx="6858000" cy="1790700"/>
           </a:xfrm>
         </p:spPr>
         <p:txBody>
-          <a:bodyPr anchor="b">
-            <a:normAutofit/>
-          </a:bodyPr>
+          <a:bodyPr anchor="b"/>
           <a:lstStyle>
             <a:lvl1pPr algn="ctr">
-              <a:defRPr sz="4000">
-                <a:latin typeface="微软雅黑" panose="020B0503020204020204" pitchFamily="34" charset="-122"/>
-                <a:ea typeface="微软雅黑" panose="020B0503020204020204" pitchFamily="34" charset="-122"/>
-              </a:defRPr>
+              <a:defRPr sz="4500"/>
             </a:lvl1pPr>
           </a:lstStyle>
           <a:p>
             <a:r>
-              <a:rPr lang="zh-CN" altLang="en-US" dirty="0" smtClean="0"/>
+              <a:rPr lang="zh-CN" altLang="en-US" smtClean="0"/>
               <a:t>单击此处编辑母版标题样式</a:t>
             </a:r>
-            <a:endParaRPr lang="zh-CN" altLang="en-US" dirty="0"/>
+            <a:endParaRPr lang="zh-CN" altLang="en-US"/>
           </a:p>
         </p:txBody>
       </p:sp>
@@ -234,274 +306,6 @@
       </p:sp>
       <p:sp>
         <p:nvSpPr>
-          <p:cNvPr id="4" name="日期占位符 3"/>
-          <p:cNvSpPr>
-            <a:spLocks noGrp="1"/>
-          </p:cNvSpPr>
-          <p:nvPr>
-            <p:ph type="dt" sz="half" idx="10"/>
-          </p:nvPr>
-        </p:nvSpPr>
-        <p:spPr/>
-        <p:txBody>
-          <a:bodyPr/>
-          <a:lstStyle/>
-          <a:p>
-            <a:fld id="{3C58DB8D-526E-44AB-8422-78CE2B43ACF0}" type="datetimeFigureOut">
-              <a:rPr lang="zh-CN" altLang="en-US" smtClean="0"/>
-              <a:t>2017/2/27</a:t>
-            </a:fld>
-            <a:endParaRPr lang="zh-CN" altLang="en-US"/>
-          </a:p>
-        </p:txBody>
-      </p:sp>
-      <p:sp>
-        <p:nvSpPr>
-          <p:cNvPr id="5" name="页脚占位符 4"/>
-          <p:cNvSpPr>
-            <a:spLocks noGrp="1"/>
-          </p:cNvSpPr>
-          <p:nvPr>
-            <p:ph type="ftr" sz="quarter" idx="11"/>
-          </p:nvPr>
-        </p:nvSpPr>
-        <p:spPr/>
-        <p:txBody>
-          <a:bodyPr/>
-          <a:lstStyle/>
-          <a:p>
-            <a:endParaRPr lang="zh-CN" altLang="en-US"/>
-          </a:p>
-        </p:txBody>
-      </p:sp>
-      <p:sp>
-        <p:nvSpPr>
-          <p:cNvPr id="6" name="灯片编号占位符 5"/>
-          <p:cNvSpPr>
-            <a:spLocks noGrp="1"/>
-          </p:cNvSpPr>
-          <p:nvPr>
-            <p:ph type="sldNum" sz="quarter" idx="12"/>
-          </p:nvPr>
-        </p:nvSpPr>
-        <p:spPr/>
-        <p:txBody>
-          <a:bodyPr/>
-          <a:lstStyle/>
-          <a:p>
-            <a:fld id="{15771A95-E335-437C-9716-014479D5F2CA}" type="slidenum">
-              <a:rPr lang="zh-CN" altLang="en-US" smtClean="0"/>
-              <a:t>‹#›</a:t>
-            </a:fld>
-            <a:endParaRPr lang="zh-CN" altLang="en-US"/>
-          </a:p>
-        </p:txBody>
-      </p:sp>
-    </p:spTree>
-    <p:extLst>
-      <p:ext uri="{BB962C8B-B14F-4D97-AF65-F5344CB8AC3E}">
-        <p14:creationId xmlns:p14="http://schemas.microsoft.com/office/powerpoint/2010/main" val="2334414459"/>
-      </p:ext>
-    </p:extLst>
-  </p:cSld>
-  <p:clrMapOvr>
-    <a:masterClrMapping/>
-  </p:clrMapOvr>
-</p:sldLayout>
-</file>
-
-<file path=ppt/slideLayouts/slideLayout2.xml><?xml version="1.0" encoding="utf-8"?>
-<p:sldLayout xmlns:a="http://schemas.openxmlformats.org/drawingml/2006/main" xmlns:r="http://schemas.openxmlformats.org/officeDocument/2006/relationships" xmlns:p="http://schemas.openxmlformats.org/presentationml/2006/main" type="titleOnly" preserve="1">
-  <p:cSld name="仅标题">
-    <p:spTree>
-      <p:nvGrpSpPr>
-        <p:cNvPr id="1" name=""/>
-        <p:cNvGrpSpPr/>
-        <p:nvPr/>
-      </p:nvGrpSpPr>
-      <p:grpSpPr>
-        <a:xfrm>
-          <a:off x="0" y="0"/>
-          <a:ext cx="0" cy="0"/>
-          <a:chOff x="0" y="0"/>
-          <a:chExt cx="0" cy="0"/>
-        </a:xfrm>
-      </p:grpSpPr>
-      <p:sp>
-        <p:nvSpPr>
-          <p:cNvPr id="2" name="标题 1"/>
-          <p:cNvSpPr>
-            <a:spLocks noGrp="1"/>
-          </p:cNvSpPr>
-          <p:nvPr>
-            <p:ph type="title"/>
-          </p:nvPr>
-        </p:nvSpPr>
-        <p:spPr/>
-        <p:txBody>
-          <a:bodyPr/>
-          <a:lstStyle/>
-          <a:p>
-            <a:r>
-              <a:rPr lang="zh-CN" altLang="en-US" smtClean="0"/>
-              <a:t>单击此处编辑母版标题样式</a:t>
-            </a:r>
-            <a:endParaRPr lang="zh-CN" altLang="en-US"/>
-          </a:p>
-        </p:txBody>
-      </p:sp>
-      <p:sp>
-        <p:nvSpPr>
-          <p:cNvPr id="5" name="灯片编号占位符 4"/>
-          <p:cNvSpPr>
-            <a:spLocks noGrp="1"/>
-          </p:cNvSpPr>
-          <p:nvPr>
-            <p:ph type="sldNum" sz="quarter" idx="12"/>
-          </p:nvPr>
-        </p:nvSpPr>
-        <p:spPr/>
-        <p:txBody>
-          <a:bodyPr/>
-          <a:lstStyle/>
-          <a:p>
-            <a:fld id="{C04F3881-6847-476C-BFEB-A5D2FA80E139}" type="slidenum">
-              <a:rPr lang="zh-CN" altLang="en-US" smtClean="0"/>
-              <a:t>‹#›</a:t>
-            </a:fld>
-            <a:endParaRPr lang="zh-CN" altLang="en-US"/>
-          </a:p>
-        </p:txBody>
-      </p:sp>
-    </p:spTree>
-    <p:extLst>
-      <p:ext uri="{BB962C8B-B14F-4D97-AF65-F5344CB8AC3E}">
-        <p14:creationId xmlns:p14="http://schemas.microsoft.com/office/powerpoint/2010/main" val="3183418499"/>
-      </p:ext>
-    </p:extLst>
-  </p:cSld>
-  <p:clrMapOvr>
-    <a:masterClrMapping/>
-  </p:clrMapOvr>
-</p:sldLayout>
-</file>
-
-<file path=ppt/slideLayouts/slideLayout3.xml><?xml version="1.0" encoding="utf-8"?>
-<p:sldLayout xmlns:a="http://schemas.openxmlformats.org/drawingml/2006/main" xmlns:r="http://schemas.openxmlformats.org/officeDocument/2006/relationships" xmlns:p="http://schemas.openxmlformats.org/presentationml/2006/main" type="title" preserve="1">
-  <p:cSld name="标题幻灯片">
-    <p:spTree>
-      <p:nvGrpSpPr>
-        <p:cNvPr id="1" name=""/>
-        <p:cNvGrpSpPr/>
-        <p:nvPr/>
-      </p:nvGrpSpPr>
-      <p:grpSpPr>
-        <a:xfrm>
-          <a:off x="0" y="0"/>
-          <a:ext cx="0" cy="0"/>
-          <a:chOff x="0" y="0"/>
-          <a:chExt cx="0" cy="0"/>
-        </a:xfrm>
-      </p:grpSpPr>
-      <p:sp>
-        <p:nvSpPr>
-          <p:cNvPr id="2" name="标题 1"/>
-          <p:cNvSpPr>
-            <a:spLocks noGrp="1"/>
-          </p:cNvSpPr>
-          <p:nvPr>
-            <p:ph type="ctrTitle"/>
-          </p:nvPr>
-        </p:nvSpPr>
-        <p:spPr>
-          <a:xfrm>
-            <a:off x="1143000" y="841772"/>
-            <a:ext cx="6858000" cy="1790700"/>
-          </a:xfrm>
-        </p:spPr>
-        <p:txBody>
-          <a:bodyPr anchor="b"/>
-          <a:lstStyle>
-            <a:lvl1pPr algn="ctr">
-              <a:defRPr sz="4500"/>
-            </a:lvl1pPr>
-          </a:lstStyle>
-          <a:p>
-            <a:r>
-              <a:rPr lang="zh-CN" altLang="en-US" smtClean="0"/>
-              <a:t>单击此处编辑母版标题样式</a:t>
-            </a:r>
-            <a:endParaRPr lang="zh-CN" altLang="en-US"/>
-          </a:p>
-        </p:txBody>
-      </p:sp>
-      <p:sp>
-        <p:nvSpPr>
-          <p:cNvPr id="3" name="副标题 2"/>
-          <p:cNvSpPr>
-            <a:spLocks noGrp="1"/>
-          </p:cNvSpPr>
-          <p:nvPr>
-            <p:ph type="subTitle" idx="1"/>
-          </p:nvPr>
-        </p:nvSpPr>
-        <p:spPr>
-          <a:xfrm>
-            <a:off x="1143000" y="2701528"/>
-            <a:ext cx="6858000" cy="1241822"/>
-          </a:xfrm>
-        </p:spPr>
-        <p:txBody>
-          <a:bodyPr/>
-          <a:lstStyle>
-            <a:lvl1pPr marL="0" indent="0" algn="ctr">
-              <a:buNone/>
-              <a:defRPr sz="1800"/>
-            </a:lvl1pPr>
-            <a:lvl2pPr marL="342900" indent="0" algn="ctr">
-              <a:buNone/>
-              <a:defRPr sz="1500"/>
-            </a:lvl2pPr>
-            <a:lvl3pPr marL="685800" indent="0" algn="ctr">
-              <a:buNone/>
-              <a:defRPr sz="1350"/>
-            </a:lvl3pPr>
-            <a:lvl4pPr marL="1028700" indent="0" algn="ctr">
-              <a:buNone/>
-              <a:defRPr sz="1200"/>
-            </a:lvl4pPr>
-            <a:lvl5pPr marL="1371600" indent="0" algn="ctr">
-              <a:buNone/>
-              <a:defRPr sz="1200"/>
-            </a:lvl5pPr>
-            <a:lvl6pPr marL="1714500" indent="0" algn="ctr">
-              <a:buNone/>
-              <a:defRPr sz="1200"/>
-            </a:lvl6pPr>
-            <a:lvl7pPr marL="2057400" indent="0" algn="ctr">
-              <a:buNone/>
-              <a:defRPr sz="1200"/>
-            </a:lvl7pPr>
-            <a:lvl8pPr marL="2400300" indent="0" algn="ctr">
-              <a:buNone/>
-              <a:defRPr sz="1200"/>
-            </a:lvl8pPr>
-            <a:lvl9pPr marL="2743200" indent="0" algn="ctr">
-              <a:buNone/>
-              <a:defRPr sz="1200"/>
-            </a:lvl9pPr>
-          </a:lstStyle>
-          <a:p>
-            <a:r>
-              <a:rPr lang="zh-CN" altLang="en-US" smtClean="0"/>
-              <a:t>单击此处编辑母版副标题样式</a:t>
-            </a:r>
-            <a:endParaRPr lang="zh-CN" altLang="en-US"/>
-          </a:p>
-        </p:txBody>
-      </p:sp>
-      <p:sp>
-        <p:nvSpPr>
           <p:cNvPr id="6" name="灯片编号占位符 5"/>
           <p:cNvSpPr>
             <a:spLocks noGrp="1"/>
@@ -536,7 +340,7 @@
 </p:sldLayout>
 </file>
 
-<file path=ppt/slideLayouts/slideLayout4.xml><?xml version="1.0" encoding="utf-8"?>
+<file path=ppt/slideLayouts/slideLayout3.xml><?xml version="1.0" encoding="utf-8"?>
 <p:sldLayout xmlns:a="http://schemas.openxmlformats.org/drawingml/2006/main" xmlns:r="http://schemas.openxmlformats.org/officeDocument/2006/relationships" xmlns:p="http://schemas.openxmlformats.org/presentationml/2006/main" type="obj" preserve="1">
   <p:cSld name="标题和内容">
     <p:spTree>
@@ -664,7 +468,7 @@
 </p:sldLayout>
 </file>
 
-<file path=ppt/slideLayouts/slideLayout5.xml><?xml version="1.0" encoding="utf-8"?>
+<file path=ppt/slideLayouts/slideLayout4.xml><?xml version="1.0" encoding="utf-8"?>
 <p:sldLayout xmlns:a="http://schemas.openxmlformats.org/drawingml/2006/main" xmlns:r="http://schemas.openxmlformats.org/officeDocument/2006/relationships" xmlns:p="http://schemas.openxmlformats.org/presentationml/2006/main" type="twoObj" preserve="1">
   <p:cSld name="两栏内容">
     <p:spTree>
@@ -855,573 +659,6 @@
 </file>
 
 <file path=ppt/slideMasters/slideMaster1.xml><?xml version="1.0" encoding="utf-8"?>
-<p:sldMaster xmlns:a="http://schemas.openxmlformats.org/drawingml/2006/main" xmlns:r="http://schemas.openxmlformats.org/officeDocument/2006/relationships" xmlns:p="http://schemas.openxmlformats.org/presentationml/2006/main" preserve="1">
-  <p:cSld>
-    <p:bg>
-      <p:bgRef idx="1001">
-        <a:schemeClr val="bg1"/>
-      </p:bgRef>
-    </p:bg>
-    <p:spTree>
-      <p:nvGrpSpPr>
-        <p:cNvPr id="1" name=""/>
-        <p:cNvGrpSpPr/>
-        <p:nvPr/>
-      </p:nvGrpSpPr>
-      <p:grpSpPr>
-        <a:xfrm>
-          <a:off x="0" y="0"/>
-          <a:ext cx="0" cy="0"/>
-          <a:chOff x="0" y="0"/>
-          <a:chExt cx="0" cy="0"/>
-        </a:xfrm>
-      </p:grpSpPr>
-      <p:sp>
-        <p:nvSpPr>
-          <p:cNvPr id="2" name="标题占位符 1"/>
-          <p:cNvSpPr>
-            <a:spLocks noGrp="1"/>
-          </p:cNvSpPr>
-          <p:nvPr>
-            <p:ph type="title"/>
-          </p:nvPr>
-        </p:nvSpPr>
-        <p:spPr>
-          <a:xfrm>
-            <a:off x="628650" y="273844"/>
-            <a:ext cx="7886700" cy="994172"/>
-          </a:xfrm>
-          <a:prstGeom prst="rect">
-            <a:avLst/>
-          </a:prstGeom>
-        </p:spPr>
-        <p:txBody>
-          <a:bodyPr vert="horz" lIns="91440" tIns="45720" rIns="91440" bIns="45720" rtlCol="0" anchor="ctr">
-            <a:normAutofit/>
-          </a:bodyPr>
-          <a:lstStyle/>
-          <a:p>
-            <a:r>
-              <a:rPr lang="zh-CN" altLang="en-US" smtClean="0"/>
-              <a:t>单击此处编辑母版标题样式</a:t>
-            </a:r>
-            <a:endParaRPr lang="zh-CN" altLang="en-US"/>
-          </a:p>
-        </p:txBody>
-      </p:sp>
-      <p:sp>
-        <p:nvSpPr>
-          <p:cNvPr id="3" name="文本占位符 2"/>
-          <p:cNvSpPr>
-            <a:spLocks noGrp="1"/>
-          </p:cNvSpPr>
-          <p:nvPr>
-            <p:ph type="body" idx="1"/>
-          </p:nvPr>
-        </p:nvSpPr>
-        <p:spPr>
-          <a:xfrm>
-            <a:off x="628650" y="1369219"/>
-            <a:ext cx="7886700" cy="3263504"/>
-          </a:xfrm>
-          <a:prstGeom prst="rect">
-            <a:avLst/>
-          </a:prstGeom>
-        </p:spPr>
-        <p:txBody>
-          <a:bodyPr vert="horz" lIns="91440" tIns="45720" rIns="91440" bIns="45720" rtlCol="0">
-            <a:normAutofit/>
-          </a:bodyPr>
-          <a:lstStyle/>
-          <a:p>
-            <a:pPr lvl="0"/>
-            <a:r>
-              <a:rPr lang="zh-CN" altLang="en-US" smtClean="0"/>
-              <a:t>单击此处编辑母版文本样式</a:t>
-            </a:r>
-          </a:p>
-          <a:p>
-            <a:pPr lvl="1"/>
-            <a:r>
-              <a:rPr lang="zh-CN" altLang="en-US" smtClean="0"/>
-              <a:t>第二级</a:t>
-            </a:r>
-          </a:p>
-          <a:p>
-            <a:pPr lvl="2"/>
-            <a:r>
-              <a:rPr lang="zh-CN" altLang="en-US" smtClean="0"/>
-              <a:t>第三级</a:t>
-            </a:r>
-          </a:p>
-          <a:p>
-            <a:pPr lvl="3"/>
-            <a:r>
-              <a:rPr lang="zh-CN" altLang="en-US" smtClean="0"/>
-              <a:t>第四级</a:t>
-            </a:r>
-          </a:p>
-          <a:p>
-            <a:pPr lvl="4"/>
-            <a:r>
-              <a:rPr lang="zh-CN" altLang="en-US" smtClean="0"/>
-              <a:t>第五级</a:t>
-            </a:r>
-            <a:endParaRPr lang="zh-CN" altLang="en-US"/>
-          </a:p>
-        </p:txBody>
-      </p:sp>
-      <p:sp>
-        <p:nvSpPr>
-          <p:cNvPr id="4" name="日期占位符 3"/>
-          <p:cNvSpPr>
-            <a:spLocks noGrp="1"/>
-          </p:cNvSpPr>
-          <p:nvPr>
-            <p:ph type="dt" sz="half" idx="2"/>
-          </p:nvPr>
-        </p:nvSpPr>
-        <p:spPr>
-          <a:xfrm>
-            <a:off x="628650" y="4767263"/>
-            <a:ext cx="2057400" cy="273844"/>
-          </a:xfrm>
-          <a:prstGeom prst="rect">
-            <a:avLst/>
-          </a:prstGeom>
-        </p:spPr>
-        <p:txBody>
-          <a:bodyPr vert="horz" lIns="91440" tIns="45720" rIns="91440" bIns="45720" rtlCol="0" anchor="ctr"/>
-          <a:lstStyle>
-            <a:lvl1pPr algn="l">
-              <a:defRPr sz="900">
-                <a:solidFill>
-                  <a:schemeClr val="tx1">
-                    <a:tint val="75000"/>
-                  </a:schemeClr>
-                </a:solidFill>
-              </a:defRPr>
-            </a:lvl1pPr>
-          </a:lstStyle>
-          <a:p>
-            <a:fld id="{3C58DB8D-526E-44AB-8422-78CE2B43ACF0}" type="datetimeFigureOut">
-              <a:rPr lang="zh-CN" altLang="en-US" smtClean="0"/>
-              <a:t>2017/2/27</a:t>
-            </a:fld>
-            <a:endParaRPr lang="zh-CN" altLang="en-US"/>
-          </a:p>
-        </p:txBody>
-      </p:sp>
-      <p:sp>
-        <p:nvSpPr>
-          <p:cNvPr id="5" name="页脚占位符 4"/>
-          <p:cNvSpPr>
-            <a:spLocks noGrp="1"/>
-          </p:cNvSpPr>
-          <p:nvPr>
-            <p:ph type="ftr" sz="quarter" idx="3"/>
-          </p:nvPr>
-        </p:nvSpPr>
-        <p:spPr>
-          <a:xfrm>
-            <a:off x="3028950" y="4767263"/>
-            <a:ext cx="3086100" cy="273844"/>
-          </a:xfrm>
-          <a:prstGeom prst="rect">
-            <a:avLst/>
-          </a:prstGeom>
-        </p:spPr>
-        <p:txBody>
-          <a:bodyPr vert="horz" lIns="91440" tIns="45720" rIns="91440" bIns="45720" rtlCol="0" anchor="ctr"/>
-          <a:lstStyle>
-            <a:lvl1pPr algn="ctr">
-              <a:defRPr sz="900">
-                <a:solidFill>
-                  <a:schemeClr val="tx1">
-                    <a:tint val="75000"/>
-                  </a:schemeClr>
-                </a:solidFill>
-              </a:defRPr>
-            </a:lvl1pPr>
-          </a:lstStyle>
-          <a:p>
-            <a:endParaRPr lang="zh-CN" altLang="en-US"/>
-          </a:p>
-        </p:txBody>
-      </p:sp>
-      <p:sp>
-        <p:nvSpPr>
-          <p:cNvPr id="6" name="灯片编号占位符 5"/>
-          <p:cNvSpPr>
-            <a:spLocks noGrp="1"/>
-          </p:cNvSpPr>
-          <p:nvPr>
-            <p:ph type="sldNum" sz="quarter" idx="4"/>
-          </p:nvPr>
-        </p:nvSpPr>
-        <p:spPr>
-          <a:xfrm>
-            <a:off x="6457950" y="4767263"/>
-            <a:ext cx="2057400" cy="273844"/>
-          </a:xfrm>
-          <a:prstGeom prst="rect">
-            <a:avLst/>
-          </a:prstGeom>
-        </p:spPr>
-        <p:txBody>
-          <a:bodyPr vert="horz" lIns="91440" tIns="45720" rIns="91440" bIns="45720" rtlCol="0" anchor="ctr"/>
-          <a:lstStyle>
-            <a:lvl1pPr algn="r">
-              <a:defRPr sz="900">
-                <a:solidFill>
-                  <a:schemeClr val="tx1">
-                    <a:tint val="75000"/>
-                  </a:schemeClr>
-                </a:solidFill>
-              </a:defRPr>
-            </a:lvl1pPr>
-          </a:lstStyle>
-          <a:p>
-            <a:fld id="{15771A95-E335-437C-9716-014479D5F2CA}" type="slidenum">
-              <a:rPr lang="zh-CN" altLang="en-US" smtClean="0"/>
-              <a:t>‹#›</a:t>
-            </a:fld>
-            <a:endParaRPr lang="zh-CN" altLang="en-US"/>
-          </a:p>
-        </p:txBody>
-      </p:sp>
-      <p:pic>
-        <p:nvPicPr>
-          <p:cNvPr id="8" name="图片 7"/>
-          <p:cNvPicPr>
-            <a:picLocks noChangeAspect="1"/>
-          </p:cNvPicPr>
-          <p:nvPr userDrawn="1"/>
-        </p:nvPicPr>
-        <p:blipFill>
-          <a:blip r:embed="rId3">
-            <a:extLst>
-              <a:ext uri="{28A0092B-C50C-407E-A947-70E740481C1C}">
-                <a14:useLocalDpi xmlns:a14="http://schemas.microsoft.com/office/drawing/2010/main" val="0"/>
-              </a:ext>
-            </a:extLst>
-          </a:blip>
-          <a:stretch>
-            <a:fillRect/>
-          </a:stretch>
-        </p:blipFill>
-        <p:spPr>
-          <a:xfrm>
-            <a:off x="0" y="4118"/>
-            <a:ext cx="9144000" cy="5131761"/>
-          </a:xfrm>
-          <a:prstGeom prst="rect">
-            <a:avLst/>
-          </a:prstGeom>
-        </p:spPr>
-      </p:pic>
-    </p:spTree>
-    <p:extLst>
-      <p:ext uri="{BB962C8B-B14F-4D97-AF65-F5344CB8AC3E}">
-        <p14:creationId xmlns:p14="http://schemas.microsoft.com/office/powerpoint/2010/main" val="1580354074"/>
-      </p:ext>
-    </p:extLst>
-  </p:cSld>
-  <p:clrMap bg1="lt1" tx1="dk1" bg2="lt2" tx2="dk2" accent1="accent1" accent2="accent2" accent3="accent3" accent4="accent4" accent5="accent5" accent6="accent6" hlink="hlink" folHlink="folHlink"/>
-  <p:sldLayoutIdLst>
-    <p:sldLayoutId id="2147483661" r:id="rId1"/>
-  </p:sldLayoutIdLst>
-  <p:timing>
-    <p:tnLst>
-      <p:par>
-        <p:cTn id="1" dur="indefinite" restart="never" nodeType="tmRoot"/>
-      </p:par>
-    </p:tnLst>
-  </p:timing>
-  <p:txStyles>
-    <p:titleStyle>
-      <a:lvl1pPr algn="l" defTabSz="685800" rtl="0" eaLnBrk="1" latinLnBrk="0" hangingPunct="1">
-        <a:lnSpc>
-          <a:spcPct val="90000"/>
-        </a:lnSpc>
-        <a:spcBef>
-          <a:spcPct val="0"/>
-        </a:spcBef>
-        <a:buNone/>
-        <a:defRPr sz="3300" kern="1200">
-          <a:solidFill>
-            <a:schemeClr val="tx1"/>
-          </a:solidFill>
-          <a:latin typeface="+mj-lt"/>
-          <a:ea typeface="+mj-ea"/>
-          <a:cs typeface="+mj-cs"/>
-        </a:defRPr>
-      </a:lvl1pPr>
-    </p:titleStyle>
-    <p:bodyStyle>
-      <a:lvl1pPr marL="171450" indent="-171450" algn="l" defTabSz="685800" rtl="0" eaLnBrk="1" latinLnBrk="0" hangingPunct="1">
-        <a:lnSpc>
-          <a:spcPct val="90000"/>
-        </a:lnSpc>
-        <a:spcBef>
-          <a:spcPts val="750"/>
-        </a:spcBef>
-        <a:buFont typeface="Arial" panose="020B0604020202020204" pitchFamily="34" charset="0"/>
-        <a:buChar char="•"/>
-        <a:defRPr sz="2100" kern="1200">
-          <a:solidFill>
-            <a:schemeClr val="tx1"/>
-          </a:solidFill>
-          <a:latin typeface="+mn-lt"/>
-          <a:ea typeface="+mn-ea"/>
-          <a:cs typeface="+mn-cs"/>
-        </a:defRPr>
-      </a:lvl1pPr>
-      <a:lvl2pPr marL="514350" indent="-171450" algn="l" defTabSz="685800" rtl="0" eaLnBrk="1" latinLnBrk="0" hangingPunct="1">
-        <a:lnSpc>
-          <a:spcPct val="90000"/>
-        </a:lnSpc>
-        <a:spcBef>
-          <a:spcPts val="375"/>
-        </a:spcBef>
-        <a:buFont typeface="Arial" panose="020B0604020202020204" pitchFamily="34" charset="0"/>
-        <a:buChar char="•"/>
-        <a:defRPr sz="1800" kern="1200">
-          <a:solidFill>
-            <a:schemeClr val="tx1"/>
-          </a:solidFill>
-          <a:latin typeface="+mn-lt"/>
-          <a:ea typeface="+mn-ea"/>
-          <a:cs typeface="+mn-cs"/>
-        </a:defRPr>
-      </a:lvl2pPr>
-      <a:lvl3pPr marL="857250" indent="-171450" algn="l" defTabSz="685800" rtl="0" eaLnBrk="1" latinLnBrk="0" hangingPunct="1">
-        <a:lnSpc>
-          <a:spcPct val="90000"/>
-        </a:lnSpc>
-        <a:spcBef>
-          <a:spcPts val="375"/>
-        </a:spcBef>
-        <a:buFont typeface="Arial" panose="020B0604020202020204" pitchFamily="34" charset="0"/>
-        <a:buChar char="•"/>
-        <a:defRPr sz="1500" kern="1200">
-          <a:solidFill>
-            <a:schemeClr val="tx1"/>
-          </a:solidFill>
-          <a:latin typeface="+mn-lt"/>
-          <a:ea typeface="+mn-ea"/>
-          <a:cs typeface="+mn-cs"/>
-        </a:defRPr>
-      </a:lvl3pPr>
-      <a:lvl4pPr marL="1200150" indent="-171450" algn="l" defTabSz="685800" rtl="0" eaLnBrk="1" latinLnBrk="0" hangingPunct="1">
-        <a:lnSpc>
-          <a:spcPct val="90000"/>
-        </a:lnSpc>
-        <a:spcBef>
-          <a:spcPts val="375"/>
-        </a:spcBef>
-        <a:buFont typeface="Arial" panose="020B0604020202020204" pitchFamily="34" charset="0"/>
-        <a:buChar char="•"/>
-        <a:defRPr sz="1350" kern="1200">
-          <a:solidFill>
-            <a:schemeClr val="tx1"/>
-          </a:solidFill>
-          <a:latin typeface="+mn-lt"/>
-          <a:ea typeface="+mn-ea"/>
-          <a:cs typeface="+mn-cs"/>
-        </a:defRPr>
-      </a:lvl4pPr>
-      <a:lvl5pPr marL="1543050" indent="-171450" algn="l" defTabSz="685800" rtl="0" eaLnBrk="1" latinLnBrk="0" hangingPunct="1">
-        <a:lnSpc>
-          <a:spcPct val="90000"/>
-        </a:lnSpc>
-        <a:spcBef>
-          <a:spcPts val="375"/>
-        </a:spcBef>
-        <a:buFont typeface="Arial" panose="020B0604020202020204" pitchFamily="34" charset="0"/>
-        <a:buChar char="•"/>
-        <a:defRPr sz="1350" kern="1200">
-          <a:solidFill>
-            <a:schemeClr val="tx1"/>
-          </a:solidFill>
-          <a:latin typeface="+mn-lt"/>
-          <a:ea typeface="+mn-ea"/>
-          <a:cs typeface="+mn-cs"/>
-        </a:defRPr>
-      </a:lvl5pPr>
-      <a:lvl6pPr marL="1885950" indent="-171450" algn="l" defTabSz="685800" rtl="0" eaLnBrk="1" latinLnBrk="0" hangingPunct="1">
-        <a:lnSpc>
-          <a:spcPct val="90000"/>
-        </a:lnSpc>
-        <a:spcBef>
-          <a:spcPts val="375"/>
-        </a:spcBef>
-        <a:buFont typeface="Arial" panose="020B0604020202020204" pitchFamily="34" charset="0"/>
-        <a:buChar char="•"/>
-        <a:defRPr sz="1350" kern="1200">
-          <a:solidFill>
-            <a:schemeClr val="tx1"/>
-          </a:solidFill>
-          <a:latin typeface="+mn-lt"/>
-          <a:ea typeface="+mn-ea"/>
-          <a:cs typeface="+mn-cs"/>
-        </a:defRPr>
-      </a:lvl6pPr>
-      <a:lvl7pPr marL="2228850" indent="-171450" algn="l" defTabSz="685800" rtl="0" eaLnBrk="1" latinLnBrk="0" hangingPunct="1">
-        <a:lnSpc>
-          <a:spcPct val="90000"/>
-        </a:lnSpc>
-        <a:spcBef>
-          <a:spcPts val="375"/>
-        </a:spcBef>
-        <a:buFont typeface="Arial" panose="020B0604020202020204" pitchFamily="34" charset="0"/>
-        <a:buChar char="•"/>
-        <a:defRPr sz="1350" kern="1200">
-          <a:solidFill>
-            <a:schemeClr val="tx1"/>
-          </a:solidFill>
-          <a:latin typeface="+mn-lt"/>
-          <a:ea typeface="+mn-ea"/>
-          <a:cs typeface="+mn-cs"/>
-        </a:defRPr>
-      </a:lvl7pPr>
-      <a:lvl8pPr marL="2571750" indent="-171450" algn="l" defTabSz="685800" rtl="0" eaLnBrk="1" latinLnBrk="0" hangingPunct="1">
-        <a:lnSpc>
-          <a:spcPct val="90000"/>
-        </a:lnSpc>
-        <a:spcBef>
-          <a:spcPts val="375"/>
-        </a:spcBef>
-        <a:buFont typeface="Arial" panose="020B0604020202020204" pitchFamily="34" charset="0"/>
-        <a:buChar char="•"/>
-        <a:defRPr sz="1350" kern="1200">
-          <a:solidFill>
-            <a:schemeClr val="tx1"/>
-          </a:solidFill>
-          <a:latin typeface="+mn-lt"/>
-          <a:ea typeface="+mn-ea"/>
-          <a:cs typeface="+mn-cs"/>
-        </a:defRPr>
-      </a:lvl8pPr>
-      <a:lvl9pPr marL="2914650" indent="-171450" algn="l" defTabSz="685800" rtl="0" eaLnBrk="1" latinLnBrk="0" hangingPunct="1">
-        <a:lnSpc>
-          <a:spcPct val="90000"/>
-        </a:lnSpc>
-        <a:spcBef>
-          <a:spcPts val="375"/>
-        </a:spcBef>
-        <a:buFont typeface="Arial" panose="020B0604020202020204" pitchFamily="34" charset="0"/>
-        <a:buChar char="•"/>
-        <a:defRPr sz="1350" kern="1200">
-          <a:solidFill>
-            <a:schemeClr val="tx1"/>
-          </a:solidFill>
-          <a:latin typeface="+mn-lt"/>
-          <a:ea typeface="+mn-ea"/>
-          <a:cs typeface="+mn-cs"/>
-        </a:defRPr>
-      </a:lvl9pPr>
-    </p:bodyStyle>
-    <p:otherStyle>
-      <a:defPPr>
-        <a:defRPr lang="zh-CN"/>
-      </a:defPPr>
-      <a:lvl1pPr marL="0" algn="l" defTabSz="685800" rtl="0" eaLnBrk="1" latinLnBrk="0" hangingPunct="1">
-        <a:defRPr sz="1350" kern="1200">
-          <a:solidFill>
-            <a:schemeClr val="tx1"/>
-          </a:solidFill>
-          <a:latin typeface="+mn-lt"/>
-          <a:ea typeface="+mn-ea"/>
-          <a:cs typeface="+mn-cs"/>
-        </a:defRPr>
-      </a:lvl1pPr>
-      <a:lvl2pPr marL="342900" algn="l" defTabSz="685800" rtl="0" eaLnBrk="1" latinLnBrk="0" hangingPunct="1">
-        <a:defRPr sz="1350" kern="1200">
-          <a:solidFill>
-            <a:schemeClr val="tx1"/>
-          </a:solidFill>
-          <a:latin typeface="+mn-lt"/>
-          <a:ea typeface="+mn-ea"/>
-          <a:cs typeface="+mn-cs"/>
-        </a:defRPr>
-      </a:lvl2pPr>
-      <a:lvl3pPr marL="685800" algn="l" defTabSz="685800" rtl="0" eaLnBrk="1" latinLnBrk="0" hangingPunct="1">
-        <a:defRPr sz="1350" kern="1200">
-          <a:solidFill>
-            <a:schemeClr val="tx1"/>
-          </a:solidFill>
-          <a:latin typeface="+mn-lt"/>
-          <a:ea typeface="+mn-ea"/>
-          <a:cs typeface="+mn-cs"/>
-        </a:defRPr>
-      </a:lvl3pPr>
-      <a:lvl4pPr marL="1028700" algn="l" defTabSz="685800" rtl="0" eaLnBrk="1" latinLnBrk="0" hangingPunct="1">
-        <a:defRPr sz="1350" kern="1200">
-          <a:solidFill>
-            <a:schemeClr val="tx1"/>
-          </a:solidFill>
-          <a:latin typeface="+mn-lt"/>
-          <a:ea typeface="+mn-ea"/>
-          <a:cs typeface="+mn-cs"/>
-        </a:defRPr>
-      </a:lvl4pPr>
-      <a:lvl5pPr marL="1371600" algn="l" defTabSz="685800" rtl="0" eaLnBrk="1" latinLnBrk="0" hangingPunct="1">
-        <a:defRPr sz="1350" kern="1200">
-          <a:solidFill>
-            <a:schemeClr val="tx1"/>
-          </a:solidFill>
-          <a:latin typeface="+mn-lt"/>
-          <a:ea typeface="+mn-ea"/>
-          <a:cs typeface="+mn-cs"/>
-        </a:defRPr>
-      </a:lvl5pPr>
-      <a:lvl6pPr marL="1714500" algn="l" defTabSz="685800" rtl="0" eaLnBrk="1" latinLnBrk="0" hangingPunct="1">
-        <a:defRPr sz="1350" kern="1200">
-          <a:solidFill>
-            <a:schemeClr val="tx1"/>
-          </a:solidFill>
-          <a:latin typeface="+mn-lt"/>
-          <a:ea typeface="+mn-ea"/>
-          <a:cs typeface="+mn-cs"/>
-        </a:defRPr>
-      </a:lvl6pPr>
-      <a:lvl7pPr marL="2057400" algn="l" defTabSz="685800" rtl="0" eaLnBrk="1" latinLnBrk="0" hangingPunct="1">
-        <a:defRPr sz="1350" kern="1200">
-          <a:solidFill>
-            <a:schemeClr val="tx1"/>
-          </a:solidFill>
-          <a:latin typeface="+mn-lt"/>
-          <a:ea typeface="+mn-ea"/>
-          <a:cs typeface="+mn-cs"/>
-        </a:defRPr>
-      </a:lvl7pPr>
-      <a:lvl8pPr marL="2400300" algn="l" defTabSz="685800" rtl="0" eaLnBrk="1" latinLnBrk="0" hangingPunct="1">
-        <a:defRPr sz="1350" kern="1200">
-          <a:solidFill>
-            <a:schemeClr val="tx1"/>
-          </a:solidFill>
-          <a:latin typeface="+mn-lt"/>
-          <a:ea typeface="+mn-ea"/>
-          <a:cs typeface="+mn-cs"/>
-        </a:defRPr>
-      </a:lvl8pPr>
-      <a:lvl9pPr marL="2743200" algn="l" defTabSz="685800" rtl="0" eaLnBrk="1" latinLnBrk="0" hangingPunct="1">
-        <a:defRPr sz="1350" kern="1200">
-          <a:solidFill>
-            <a:schemeClr val="tx1"/>
-          </a:solidFill>
-          <a:latin typeface="+mn-lt"/>
-          <a:ea typeface="+mn-ea"/>
-          <a:cs typeface="+mn-cs"/>
-        </a:defRPr>
-      </a:lvl9pPr>
-    </p:otherStyle>
-  </p:txStyles>
-</p:sldMaster>
-</file>
-
-<file path=ppt/slideMasters/slideMaster2.xml><?xml version="1.0" encoding="utf-8"?>
 <p:sldMaster xmlns:a="http://schemas.openxmlformats.org/drawingml/2006/main" xmlns:r="http://schemas.openxmlformats.org/officeDocument/2006/relationships" xmlns:p="http://schemas.openxmlformats.org/presentationml/2006/main">
   <p:cSld>
     <p:bg>
@@ -1639,7 +876,7 @@
         <p:spPr>
           <a:xfrm>
             <a:off x="0" y="1"/>
-            <a:ext cx="9144000" cy="700215"/>
+            <a:ext cx="9144000" cy="612000"/>
           </a:xfrm>
           <a:prstGeom prst="rect">
             <a:avLst/>
@@ -1973,449 +1210,7 @@
 </p:sldMaster>
 </file>
 
-<file path=ppt/slides/slide1.xml><?xml version="1.0" encoding="utf-8"?>
-<p:sld xmlns:a="http://schemas.openxmlformats.org/drawingml/2006/main" xmlns:r="http://schemas.openxmlformats.org/officeDocument/2006/relationships" xmlns:p="http://schemas.openxmlformats.org/presentationml/2006/main">
-  <p:cSld>
-    <p:spTree>
-      <p:nvGrpSpPr>
-        <p:cNvPr id="1" name=""/>
-        <p:cNvGrpSpPr/>
-        <p:nvPr/>
-      </p:nvGrpSpPr>
-      <p:grpSpPr>
-        <a:xfrm>
-          <a:off x="0" y="0"/>
-          <a:ext cx="0" cy="0"/>
-          <a:chOff x="0" y="0"/>
-          <a:chExt cx="0" cy="0"/>
-        </a:xfrm>
-      </p:grpSpPr>
-      <p:sp>
-        <p:nvSpPr>
-          <p:cNvPr id="5" name="矩形 4"/>
-          <p:cNvSpPr/>
-          <p:nvPr/>
-        </p:nvSpPr>
-        <p:spPr>
-          <a:xfrm>
-            <a:off x="0" y="1860699"/>
-            <a:ext cx="9162903" cy="1001002"/>
-          </a:xfrm>
-          <a:prstGeom prst="rect">
-            <a:avLst/>
-          </a:prstGeom>
-          <a:solidFill>
-            <a:schemeClr val="tx1">
-              <a:alpha val="40000"/>
-            </a:schemeClr>
-          </a:solidFill>
-          <a:ln>
-            <a:noFill/>
-          </a:ln>
-        </p:spPr>
-        <p:style>
-          <a:lnRef idx="2">
-            <a:schemeClr val="accent1">
-              <a:shade val="50000"/>
-            </a:schemeClr>
-          </a:lnRef>
-          <a:fillRef idx="1">
-            <a:schemeClr val="accent1"/>
-          </a:fillRef>
-          <a:effectRef idx="0">
-            <a:schemeClr val="accent1"/>
-          </a:effectRef>
-          <a:fontRef idx="minor">
-            <a:schemeClr val="lt1"/>
-          </a:fontRef>
-        </p:style>
-        <p:txBody>
-          <a:bodyPr rtlCol="0" anchor="ctr"/>
-          <a:lstStyle/>
-          <a:p>
-            <a:pPr algn="ctr"/>
-            <a:endParaRPr lang="zh-CN" altLang="en-US"/>
-          </a:p>
-        </p:txBody>
-      </p:sp>
-      <p:sp>
-        <p:nvSpPr>
-          <p:cNvPr id="6" name="标题 4"/>
-          <p:cNvSpPr txBox="1">
-            <a:spLocks/>
-          </p:cNvSpPr>
-          <p:nvPr/>
-        </p:nvSpPr>
-        <p:spPr>
-          <a:xfrm>
-            <a:off x="1143000" y="1919062"/>
-            <a:ext cx="6858000" cy="852261"/>
-          </a:xfrm>
-          <a:prstGeom prst="rect">
-            <a:avLst/>
-          </a:prstGeom>
-        </p:spPr>
-        <p:txBody>
-          <a:bodyPr vert="horz" lIns="91440" tIns="45720" rIns="91440" bIns="45720" rtlCol="0" anchor="ctr">
-            <a:normAutofit/>
-          </a:bodyPr>
-          <a:lstStyle>
-            <a:lvl1pPr algn="ctr" defTabSz="685800" rtl="0" eaLnBrk="1" latinLnBrk="0" hangingPunct="1">
-              <a:lnSpc>
-                <a:spcPct val="90000"/>
-              </a:lnSpc>
-              <a:spcBef>
-                <a:spcPct val="0"/>
-              </a:spcBef>
-              <a:buNone/>
-              <a:defRPr sz="4000" kern="1200">
-                <a:solidFill>
-                  <a:schemeClr val="tx1"/>
-                </a:solidFill>
-                <a:latin typeface="微软雅黑" panose="020B0503020204020204" pitchFamily="34" charset="-122"/>
-                <a:ea typeface="微软雅黑" panose="020B0503020204020204" pitchFamily="34" charset="-122"/>
-                <a:cs typeface="+mj-cs"/>
-              </a:defRPr>
-            </a:lvl1pPr>
-          </a:lstStyle>
-          <a:p>
-            <a:r>
-              <a:rPr lang="en-US" altLang="zh-CN" dirty="0">
-                <a:solidFill>
-                  <a:schemeClr val="accent2"/>
-                </a:solidFill>
-              </a:rPr>
-              <a:t>r</a:t>
-            </a:r>
-            <a:r>
-              <a:rPr lang="en-US" altLang="zh-CN" dirty="0" smtClean="0">
-                <a:solidFill>
-                  <a:schemeClr val="accent2"/>
-                </a:solidFill>
-              </a:rPr>
-              <a:t>eportgen</a:t>
-            </a:r>
-            <a:r>
-              <a:rPr lang="en-US" altLang="zh-CN" dirty="0" smtClean="0">
-                <a:solidFill>
-                  <a:schemeClr val="bg1"/>
-                </a:solidFill>
-              </a:rPr>
-              <a:t> </a:t>
-            </a:r>
-            <a:r>
-              <a:rPr lang="zh-CN" altLang="en-US" dirty="0" smtClean="0">
-                <a:solidFill>
-                  <a:schemeClr val="bg1"/>
-                </a:solidFill>
-              </a:rPr>
-              <a:t>工具包</a:t>
-            </a:r>
-            <a:endParaRPr lang="en-US" altLang="zh-CN" dirty="0" smtClean="0">
-              <a:solidFill>
-                <a:schemeClr val="bg1"/>
-              </a:solidFill>
-            </a:endParaRPr>
-          </a:p>
-          <a:p>
-            <a:r>
-              <a:rPr lang="en-US" altLang="zh-CN" sz="1100" dirty="0" smtClean="0">
-                <a:solidFill>
-                  <a:schemeClr val="bg1"/>
-                </a:solidFill>
-              </a:rPr>
-              <a:t>https://github.com/gasongjian/reportgen</a:t>
-            </a:r>
-            <a:endParaRPr lang="zh-CN" altLang="en-US" sz="1100" dirty="0">
-              <a:solidFill>
-                <a:schemeClr val="bg1"/>
-              </a:solidFill>
-            </a:endParaRPr>
-          </a:p>
-        </p:txBody>
-      </p:sp>
-    </p:spTree>
-    <p:extLst>
-      <p:ext uri="{BB962C8B-B14F-4D97-AF65-F5344CB8AC3E}">
-        <p14:creationId xmlns:p14="http://schemas.microsoft.com/office/powerpoint/2010/main" val="4249207193"/>
-      </p:ext>
-    </p:extLst>
-  </p:cSld>
-  <p:clrMapOvr>
-    <a:masterClrMapping/>
-  </p:clrMapOvr>
-  <p:timing>
-    <p:tnLst>
-      <p:par>
-        <p:cTn id="1" dur="indefinite" restart="never" nodeType="tmRoot"/>
-      </p:par>
-    </p:tnLst>
-  </p:timing>
-</p:sld>
-</file>
-
 <file path=ppt/theme/theme1.xml><?xml version="1.0" encoding="utf-8"?>
-<a:theme xmlns:a="http://schemas.openxmlformats.org/drawingml/2006/main" name="自定义设计方案">
-  <a:themeElements>
-    <a:clrScheme name="Office">
-      <a:dk1>
-        <a:sysClr val="windowText" lastClr="000000"/>
-      </a:dk1>
-      <a:lt1>
-        <a:sysClr val="window" lastClr="FFFFFF"/>
-      </a:lt1>
-      <a:dk2>
-        <a:srgbClr val="44546A"/>
-      </a:dk2>
-      <a:lt2>
-        <a:srgbClr val="E7E6E6"/>
-      </a:lt2>
-      <a:accent1>
-        <a:srgbClr val="5B9BD5"/>
-      </a:accent1>
-      <a:accent2>
-        <a:srgbClr val="ED7D31"/>
-      </a:accent2>
-      <a:accent3>
-        <a:srgbClr val="A5A5A5"/>
-      </a:accent3>
-      <a:accent4>
-        <a:srgbClr val="FFC000"/>
-      </a:accent4>
-      <a:accent5>
-        <a:srgbClr val="4472C4"/>
-      </a:accent5>
-      <a:accent6>
-        <a:srgbClr val="70AD47"/>
-      </a:accent6>
-      <a:hlink>
-        <a:srgbClr val="0563C1"/>
-      </a:hlink>
-      <a:folHlink>
-        <a:srgbClr val="954F72"/>
-      </a:folHlink>
-    </a:clrScheme>
-    <a:fontScheme name="Office">
-      <a:majorFont>
-        <a:latin typeface="Calibri Light" panose="020F0302020204030204"/>
-        <a:ea typeface=""/>
-        <a:cs typeface=""/>
-        <a:font script="Jpan" typeface="ＭＳ Ｐゴシック"/>
-        <a:font script="Hang" typeface="맑은 고딕"/>
-        <a:font script="Hans" typeface="宋体"/>
-        <a:font script="Hant" typeface="新細明體"/>
-        <a:font script="Arab" typeface="Times New Roman"/>
-        <a:font script="Hebr" typeface="Times New Roman"/>
-        <a:font script="Thai" typeface="Angsana New"/>
-        <a:font script="Ethi" typeface="Nyala"/>
-        <a:font script="Beng" typeface="Vrinda"/>
-        <a:font script="Gujr" typeface="Shruti"/>
-        <a:font script="Khmr" typeface="MoolBoran"/>
-        <a:font script="Knda" typeface="Tunga"/>
-        <a:font script="Guru" typeface="Raavi"/>
-        <a:font script="Cans" typeface="Euphemia"/>
-        <a:font script="Cher" typeface="Plantagenet Cherokee"/>
-        <a:font script="Yiii" typeface="Microsoft Yi Baiti"/>
-        <a:font script="Tibt" typeface="Microsoft Himalaya"/>
-        <a:font script="Thaa" typeface="MV Boli"/>
-        <a:font script="Deva" typeface="Mangal"/>
-        <a:font script="Telu" typeface="Gautami"/>
-        <a:font script="Taml" typeface="Latha"/>
-        <a:font script="Syrc" typeface="Estrangelo Edessa"/>
-        <a:font script="Orya" typeface="Kalinga"/>
-        <a:font script="Mlym" typeface="Kartika"/>
-        <a:font script="Laoo" typeface="DokChampa"/>
-        <a:font script="Sinh" typeface="Iskoola Pota"/>
-        <a:font script="Mong" typeface="Mongolian Baiti"/>
-        <a:font script="Viet" typeface="Times New Roman"/>
-        <a:font script="Uigh" typeface="Microsoft Uighur"/>
-        <a:font script="Geor" typeface="Sylfaen"/>
-      </a:majorFont>
-      <a:minorFont>
-        <a:latin typeface="Calibri" panose="020F0502020204030204"/>
-        <a:ea typeface=""/>
-        <a:cs typeface=""/>
-        <a:font script="Jpan" typeface="ＭＳ Ｐゴシック"/>
-        <a:font script="Hang" typeface="맑은 고딕"/>
-        <a:font script="Hans" typeface="宋体"/>
-        <a:font script="Hant" typeface="新細明體"/>
-        <a:font script="Arab" typeface="Arial"/>
-        <a:font script="Hebr" typeface="Arial"/>
-        <a:font script="Thai" typeface="Cordia New"/>
-        <a:font script="Ethi" typeface="Nyala"/>
-        <a:font script="Beng" typeface="Vrinda"/>
-        <a:font script="Gujr" typeface="Shruti"/>
-        <a:font script="Khmr" typeface="DaunPenh"/>
-        <a:font script="Knda" typeface="Tunga"/>
-        <a:font script="Guru" typeface="Raavi"/>
-        <a:font script="Cans" typeface="Euphemia"/>
-        <a:font script="Cher" typeface="Plantagenet Cherokee"/>
-        <a:font script="Yiii" typeface="Microsoft Yi Baiti"/>
-        <a:font script="Tibt" typeface="Microsoft Himalaya"/>
-        <a:font script="Thaa" typeface="MV Boli"/>
-        <a:font script="Deva" typeface="Mangal"/>
-        <a:font script="Telu" typeface="Gautami"/>
-        <a:font script="Taml" typeface="Latha"/>
-        <a:font script="Syrc" typeface="Estrangelo Edessa"/>
-        <a:font script="Orya" typeface="Kalinga"/>
-        <a:font script="Mlym" typeface="Kartika"/>
-        <a:font script="Laoo" typeface="DokChampa"/>
-        <a:font script="Sinh" typeface="Iskoola Pota"/>
-        <a:font script="Mong" typeface="Mongolian Baiti"/>
-        <a:font script="Viet" typeface="Arial"/>
-        <a:font script="Uigh" typeface="Microsoft Uighur"/>
-        <a:font script="Geor" typeface="Sylfaen"/>
-      </a:minorFont>
-    </a:fontScheme>
-    <a:fmtScheme name="Office">
-      <a:fillStyleLst>
-        <a:solidFill>
-          <a:schemeClr val="phClr"/>
-        </a:solidFill>
-        <a:gradFill rotWithShape="1">
-          <a:gsLst>
-            <a:gs pos="0">
-              <a:schemeClr val="phClr">
-                <a:lumMod val="110000"/>
-                <a:satMod val="105000"/>
-                <a:tint val="67000"/>
-              </a:schemeClr>
-            </a:gs>
-            <a:gs pos="50000">
-              <a:schemeClr val="phClr">
-                <a:lumMod val="105000"/>
-                <a:satMod val="103000"/>
-                <a:tint val="73000"/>
-              </a:schemeClr>
-            </a:gs>
-            <a:gs pos="100000">
-              <a:schemeClr val="phClr">
-                <a:lumMod val="105000"/>
-                <a:satMod val="109000"/>
-                <a:tint val="81000"/>
-              </a:schemeClr>
-            </a:gs>
-          </a:gsLst>
-          <a:lin ang="5400000" scaled="0"/>
-        </a:gradFill>
-        <a:gradFill rotWithShape="1">
-          <a:gsLst>
-            <a:gs pos="0">
-              <a:schemeClr val="phClr">
-                <a:satMod val="103000"/>
-                <a:lumMod val="102000"/>
-                <a:tint val="94000"/>
-              </a:schemeClr>
-            </a:gs>
-            <a:gs pos="50000">
-              <a:schemeClr val="phClr">
-                <a:satMod val="110000"/>
-                <a:lumMod val="100000"/>
-                <a:shade val="100000"/>
-              </a:schemeClr>
-            </a:gs>
-            <a:gs pos="100000">
-              <a:schemeClr val="phClr">
-                <a:lumMod val="99000"/>
-                <a:satMod val="120000"/>
-                <a:shade val="78000"/>
-              </a:schemeClr>
-            </a:gs>
-          </a:gsLst>
-          <a:lin ang="5400000" scaled="0"/>
-        </a:gradFill>
-      </a:fillStyleLst>
-      <a:lnStyleLst>
-        <a:ln w="6350" cap="flat" cmpd="sng" algn="ctr">
-          <a:solidFill>
-            <a:schemeClr val="phClr"/>
-          </a:solidFill>
-          <a:prstDash val="solid"/>
-          <a:miter lim="800000"/>
-        </a:ln>
-        <a:ln w="12700" cap="flat" cmpd="sng" algn="ctr">
-          <a:solidFill>
-            <a:schemeClr val="phClr"/>
-          </a:solidFill>
-          <a:prstDash val="solid"/>
-          <a:miter lim="800000"/>
-        </a:ln>
-        <a:ln w="19050" cap="flat" cmpd="sng" algn="ctr">
-          <a:solidFill>
-            <a:schemeClr val="phClr"/>
-          </a:solidFill>
-          <a:prstDash val="solid"/>
-          <a:miter lim="800000"/>
-        </a:ln>
-      </a:lnStyleLst>
-      <a:effectStyleLst>
-        <a:effectStyle>
-          <a:effectLst/>
-        </a:effectStyle>
-        <a:effectStyle>
-          <a:effectLst/>
-        </a:effectStyle>
-        <a:effectStyle>
-          <a:effectLst>
-            <a:outerShdw blurRad="57150" dist="19050" dir="5400000" algn="ctr" rotWithShape="0">
-              <a:srgbClr val="000000">
-                <a:alpha val="63000"/>
-              </a:srgbClr>
-            </a:outerShdw>
-          </a:effectLst>
-        </a:effectStyle>
-      </a:effectStyleLst>
-      <a:bgFillStyleLst>
-        <a:solidFill>
-          <a:schemeClr val="phClr"/>
-        </a:solidFill>
-        <a:solidFill>
-          <a:schemeClr val="phClr">
-            <a:tint val="95000"/>
-            <a:satMod val="170000"/>
-          </a:schemeClr>
-        </a:solidFill>
-        <a:gradFill rotWithShape="1">
-          <a:gsLst>
-            <a:gs pos="0">
-              <a:schemeClr val="phClr">
-                <a:tint val="93000"/>
-                <a:satMod val="150000"/>
-                <a:shade val="98000"/>
-                <a:lumMod val="102000"/>
-              </a:schemeClr>
-            </a:gs>
-            <a:gs pos="50000">
-              <a:schemeClr val="phClr">
-                <a:tint val="98000"/>
-                <a:satMod val="130000"/>
-                <a:shade val="90000"/>
-                <a:lumMod val="103000"/>
-              </a:schemeClr>
-            </a:gs>
-            <a:gs pos="100000">
-              <a:schemeClr val="phClr">
-                <a:shade val="63000"/>
-                <a:satMod val="120000"/>
-              </a:schemeClr>
-            </a:gs>
-          </a:gsLst>
-          <a:lin ang="5400000" scaled="0"/>
-        </a:gradFill>
-      </a:bgFillStyleLst>
-    </a:fmtScheme>
-  </a:themeElements>
-  <a:objectDefaults/>
-  <a:extraClrSchemeLst/>
-  <a:extLst>
-    <a:ext uri="{05A4C25C-085E-4340-85A3-A5531E510DB2}">
-      <thm15:themeFamily xmlns:thm15="http://schemas.microsoft.com/office/thememl/2012/main" name="Office Theme" id="{62F939B6-93AF-4DB8-9C6B-D6C7DFDC589F}" vid="{4A3C46E8-61CC-4603-A589-7422A47A8E4A}"/>
-    </a:ext>
-  </a:extLst>
-</a:theme>
-</file>
-
-<file path=ppt/theme/theme2.xml><?xml version="1.0" encoding="utf-8"?>
 <a:theme xmlns:a="http://schemas.openxmlformats.org/drawingml/2006/main" name="Office 主题">
   <a:themeElements>
     <a:clrScheme name="Office">
